--- a/learn/触摸屏故障.pptx
+++ b/learn/触摸屏故障.pptx
@@ -10,6 +10,7 @@
     <p:sldId id="259" r:id="rId5"/>
     <p:sldId id="260" r:id="rId6"/>
     <p:sldId id="261" r:id="rId7"/>
+    <p:sldId id="262" r:id="rId8"/>
   </p:sldIdLst>
   <p:sldSz cx="12192000" cy="6858000"/>
   <p:notesSz cx="6858000" cy="9144000"/>
@@ -3049,10 +3050,10 @@
               <a:t>gt1x_ts_probe</a:t>
             </a:r>
             <a:r>
-              <a:rPr lang="" altLang="en-US"/>
+              <a:rPr lang="en-US" altLang="en-US"/>
               <a:t>()</a:t>
             </a:r>
-            <a:endParaRPr lang="" altLang="en-US"/>
+            <a:endParaRPr lang="en-US" altLang="en-US"/>
           </a:p>
         </p:txBody>
       </p:sp>
@@ -3111,10 +3112,10 @@
               <a:t>gt1x_i2c_write</a:t>
             </a:r>
             <a:r>
-              <a:rPr lang="" altLang="en-US"/>
+              <a:rPr lang="en-US" altLang="en-US"/>
               <a:t>()</a:t>
             </a:r>
-            <a:endParaRPr lang="" altLang="en-US"/>
+            <a:endParaRPr lang="en-US" altLang="en-US"/>
           </a:p>
         </p:txBody>
       </p:sp>
@@ -3144,10 +3145,10 @@
               <a:t>gt1x_i2c_read</a:t>
             </a:r>
             <a:r>
-              <a:rPr lang="" altLang="en-US"/>
+              <a:rPr lang="en-US" altLang="en-US"/>
               <a:t>()</a:t>
             </a:r>
-            <a:endParaRPr lang="" altLang="en-US"/>
+            <a:endParaRPr lang="en-US" altLang="en-US"/>
           </a:p>
         </p:txBody>
       </p:sp>
@@ -3177,10 +3178,10 @@
               <a:t>_do_i2c_read</a:t>
             </a:r>
             <a:r>
-              <a:rPr lang="" altLang="en-US"/>
+              <a:rPr lang="en-US" altLang="en-US"/>
               <a:t>()</a:t>
             </a:r>
-            <a:endParaRPr lang="" altLang="en-US"/>
+            <a:endParaRPr lang="en-US" altLang="en-US"/>
           </a:p>
         </p:txBody>
       </p:sp>
@@ -3210,10 +3211,10 @@
               <a:t>_do_i2c_write</a:t>
             </a:r>
             <a:r>
-              <a:rPr lang="" altLang="en-US"/>
+              <a:rPr lang="en-US" altLang="en-US"/>
               <a:t>()</a:t>
             </a:r>
-            <a:endParaRPr lang="" altLang="en-US"/>
+            <a:endParaRPr lang="en-US" altLang="en-US"/>
           </a:p>
         </p:txBody>
       </p:sp>
@@ -3415,10 +3416,10 @@
               <a:t> i2c_transfer</a:t>
             </a:r>
             <a:r>
-              <a:rPr lang="" altLang="en-US"/>
+              <a:rPr lang="en-US" altLang="en-US"/>
               <a:t>()</a:t>
             </a:r>
-            <a:endParaRPr lang="" altLang="en-US"/>
+            <a:endParaRPr lang="en-US" altLang="en-US"/>
           </a:p>
         </p:txBody>
       </p:sp>
@@ -3510,7 +3511,7 @@
           </a:bodyPr>
           <a:p>
             <a:r>
-              <a:rPr lang="" altLang="en-US"/>
+              <a:rPr lang="en-US" altLang="en-US"/>
               <a:t>struct </a:t>
             </a:r>
             <a:r>
@@ -4093,10 +4094,10 @@
               <a:t>gt1x_touch_event_handler</a:t>
             </a:r>
             <a:r>
-              <a:rPr lang="" altLang="en-US"/>
+              <a:rPr lang="en-US" altLang="en-US"/>
               <a:t>()</a:t>
             </a:r>
-            <a:endParaRPr lang="" altLang="en-US"/>
+            <a:endParaRPr lang="en-US" altLang="en-US"/>
           </a:p>
         </p:txBody>
       </p:sp>
@@ -4159,10 +4160,10 @@
               <a:t>gt1x_i2c_read</a:t>
             </a:r>
             <a:r>
-              <a:rPr lang="" altLang="en-US"/>
+              <a:rPr lang="en-US" altLang="en-US"/>
               <a:t>()</a:t>
             </a:r>
-            <a:endParaRPr lang="" altLang="en-US"/>
+            <a:endParaRPr lang="en-US" altLang="en-US"/>
           </a:p>
         </p:txBody>
       </p:sp>
@@ -4192,10 +4193,10 @@
               <a:t>gt1x_touch_down</a:t>
             </a:r>
             <a:r>
-              <a:rPr lang="" altLang="en-US"/>
+              <a:rPr lang="en-US" altLang="en-US"/>
               <a:t>()</a:t>
             </a:r>
-            <a:endParaRPr lang="" altLang="en-US"/>
+            <a:endParaRPr lang="en-US" altLang="en-US"/>
           </a:p>
         </p:txBody>
       </p:sp>
@@ -4225,10 +4226,10 @@
               <a:t>gt1x_touch_up</a:t>
             </a:r>
             <a:r>
-              <a:rPr lang="" altLang="en-US"/>
+              <a:rPr lang="en-US" altLang="en-US"/>
               <a:t>()</a:t>
             </a:r>
-            <a:endParaRPr lang="" altLang="en-US"/>
+            <a:endParaRPr lang="en-US" altLang="en-US"/>
           </a:p>
         </p:txBody>
       </p:sp>
@@ -4258,10 +4259,10 @@
               <a:t>input_report_key</a:t>
             </a:r>
             <a:r>
-              <a:rPr lang="" altLang="en-US"/>
+              <a:rPr lang="en-US" altLang="en-US"/>
               <a:t>()</a:t>
             </a:r>
-            <a:endParaRPr lang="" altLang="en-US"/>
+            <a:endParaRPr lang="en-US" altLang="en-US"/>
           </a:p>
         </p:txBody>
       </p:sp>
@@ -4423,10 +4424,10 @@
               <a:t>input_report_abs</a:t>
             </a:r>
             <a:r>
-              <a:rPr lang="" altLang="en-US"/>
+              <a:rPr lang="en-US" altLang="en-US"/>
               <a:t>()</a:t>
             </a:r>
-            <a:endParaRPr lang="" altLang="en-US"/>
+            <a:endParaRPr lang="en-US" altLang="en-US"/>
           </a:p>
         </p:txBody>
       </p:sp>
@@ -4506,6 +4507,135 @@
               <a:rPr lang="en-US"/>
               <a:t>固件升级</a:t>
             </a:r>
+            <a:endParaRPr lang="en-US"/>
+          </a:p>
+        </p:txBody>
+      </p:sp>
+      <p:sp>
+        <p:nvSpPr>
+          <p:cNvPr id="3" name="Text Box 2"/>
+          <p:cNvSpPr txBox="1"/>
+          <p:nvPr/>
+        </p:nvSpPr>
+        <p:spPr>
+          <a:xfrm>
+            <a:off x="151130" y="662940"/>
+            <a:ext cx="5325745" cy="706755"/>
+          </a:xfrm>
+          <a:prstGeom prst="rect">
+            <a:avLst/>
+          </a:prstGeom>
+          <a:noFill/>
+        </p:spPr>
+        <p:txBody>
+          <a:bodyPr wrap="square" rtlCol="0" anchor="t">
+            <a:spAutoFit/>
+          </a:bodyPr>
+          <a:p>
+            <a:r>
+              <a:rPr lang="en-US" sz="1000"/>
+              <a:t>#define UPDATE_STATUS_IDLE     0</a:t>
+            </a:r>
+            <a:endParaRPr lang="en-US" sz="1000"/>
+          </a:p>
+          <a:p>
+            <a:r>
+              <a:rPr lang="en-US" sz="1000"/>
+              <a:t>#define UPDATE_STATUS_RUNNING  1</a:t>
+            </a:r>
+            <a:endParaRPr lang="en-US" sz="1000"/>
+          </a:p>
+          <a:p>
+            <a:r>
+              <a:rPr lang="en-US" sz="1000"/>
+              <a:t>#define UPDATE_STATUS_ABORT    2</a:t>
+            </a:r>
+            <a:endParaRPr lang="en-US" sz="1000"/>
+          </a:p>
+          <a:p>
+            <a:endParaRPr lang="en-US" sz="1000"/>
+          </a:p>
+        </p:txBody>
+      </p:sp>
+      <p:sp>
+        <p:nvSpPr>
+          <p:cNvPr id="4" name="Text Box 3"/>
+          <p:cNvSpPr txBox="1"/>
+          <p:nvPr/>
+        </p:nvSpPr>
+        <p:spPr>
+          <a:xfrm>
+            <a:off x="4762500" y="570230"/>
+            <a:ext cx="6396355" cy="368300"/>
+          </a:xfrm>
+          <a:prstGeom prst="rect">
+            <a:avLst/>
+          </a:prstGeom>
+          <a:noFill/>
+        </p:spPr>
+        <p:txBody>
+          <a:bodyPr wrap="square" rtlCol="0" anchor="t">
+            <a:spAutoFit/>
+          </a:bodyPr>
+          <a:p>
+            <a:r>
+              <a:rPr lang="en-US"/>
+              <a:t>int gt1x_update_firmware(void *filename)</a:t>
+            </a:r>
+            <a:endParaRPr lang="en-US"/>
+          </a:p>
+        </p:txBody>
+      </p:sp>
+    </p:spTree>
+  </p:cSld>
+  <p:clrMapOvr>
+    <a:masterClrMapping/>
+  </p:clrMapOvr>
+</p:sld>
+</file>
+
+<file path=ppt/slides/slide6.xml><?xml version="1.0" encoding="utf-8"?>
+<p:sld xmlns:a="http://schemas.openxmlformats.org/drawingml/2006/main" xmlns:r="http://schemas.openxmlformats.org/officeDocument/2006/relationships" xmlns:p="http://schemas.openxmlformats.org/presentationml/2006/main">
+  <p:cSld>
+    <p:spTree>
+      <p:nvGrpSpPr>
+        <p:cNvPr id="1" name=""/>
+        <p:cNvGrpSpPr/>
+        <p:nvPr/>
+      </p:nvGrpSpPr>
+      <p:grpSpPr/>
+      <p:sp>
+        <p:nvSpPr>
+          <p:cNvPr id="2" name="Title 1"/>
+          <p:cNvSpPr>
+            <a:spLocks noGrp="1"/>
+          </p:cNvSpPr>
+          <p:nvPr>
+            <p:ph type="title"/>
+          </p:nvPr>
+        </p:nvSpPr>
+        <p:spPr/>
+        <p:txBody>
+          <a:bodyPr/>
+          <a:p>
+            <a:endParaRPr lang="en-US"/>
+          </a:p>
+        </p:txBody>
+      </p:sp>
+      <p:sp>
+        <p:nvSpPr>
+          <p:cNvPr id="3" name="Content Placeholder 2"/>
+          <p:cNvSpPr>
+            <a:spLocks noGrp="1"/>
+          </p:cNvSpPr>
+          <p:nvPr>
+            <p:ph idx="1"/>
+          </p:nvPr>
+        </p:nvSpPr>
+        <p:spPr/>
+        <p:txBody>
+          <a:bodyPr/>
+          <a:p>
             <a:endParaRPr lang="en-US"/>
           </a:p>
         </p:txBody>
